--- a/slides/nlp-intro-2020.pptx
+++ b/slides/nlp-intro-2020.pptx
@@ -9778,42 +9778,6 @@
         </a:p>
       </dgm:t>
     </dgm:pt>
-    <dgm:pt modelId="{F9B0DE92-F397-464A-A650-8B6CDFBFD1C2}">
-      <dgm:prSet custT="1"/>
-      <dgm:spPr/>
-      <dgm:t>
-        <a:bodyPr/>
-        <a:lstStyle/>
-        <a:p>
-          <a:r>
-            <a:rPr lang="en-US" sz="3200" dirty="0"/>
-            <a:t>I They put money in the bank = = buried in mud?</a:t>
-          </a:r>
-        </a:p>
-      </dgm:t>
-    </dgm:pt>
-    <dgm:pt modelId="{5D723777-9CCD-4979-83C8-EF1037E31AA0}" type="parTrans" cxnId="{4CBEEB44-F5C6-48AA-96D2-E31A8FF52A4F}">
-      <dgm:prSet/>
-      <dgm:spPr/>
-      <dgm:t>
-        <a:bodyPr/>
-        <a:lstStyle/>
-        <a:p>
-          <a:endParaRPr lang="en-US"/>
-        </a:p>
-      </dgm:t>
-    </dgm:pt>
-    <dgm:pt modelId="{B0202124-D150-4555-9F5E-F8962174E364}" type="sibTrans" cxnId="{4CBEEB44-F5C6-48AA-96D2-E31A8FF52A4F}">
-      <dgm:prSet/>
-      <dgm:spPr/>
-      <dgm:t>
-        <a:bodyPr/>
-        <a:lstStyle/>
-        <a:p>
-          <a:endParaRPr lang="en-US"/>
-        </a:p>
-      </dgm:t>
-    </dgm:pt>
     <dgm:pt modelId="{C1F15BF4-62B8-4921-9349-2E929E9901B1}">
       <dgm:prSet custT="1"/>
       <dgm:spPr/>
@@ -9821,6 +9785,11 @@
         <a:bodyPr/>
         <a:lstStyle/>
         <a:p>
+          <a:pPr>
+            <a:lnSpc>
+              <a:spcPct val="100000"/>
+            </a:lnSpc>
+          </a:pPr>
           <a:r>
             <a:rPr lang="en-US" sz="4000" dirty="0"/>
             <a:t>I saw her duck with a telescope</a:t>
@@ -9859,16 +9828,16 @@
       </dgm:prSet>
       <dgm:spPr/>
     </dgm:pt>
-    <dgm:pt modelId="{2B9A118E-164A-4354-B26D-0CF23507F134}" type="pres">
-      <dgm:prSet presAssocID="{F9B0DE92-F397-464A-A650-8B6CDFBFD1C2}" presName="compNode" presStyleCnt="0"/>
+    <dgm:pt modelId="{89EF90E8-9E6D-41B7-BA45-B38CF90D6C36}" type="pres">
+      <dgm:prSet presAssocID="{C1F15BF4-62B8-4921-9349-2E929E9901B1}" presName="compNode" presStyleCnt="0"/>
       <dgm:spPr/>
     </dgm:pt>
-    <dgm:pt modelId="{D83077BC-035E-4256-9696-2F3C94E0F2D3}" type="pres">
-      <dgm:prSet presAssocID="{F9B0DE92-F397-464A-A650-8B6CDFBFD1C2}" presName="bgRect" presStyleLbl="bgShp" presStyleIdx="0" presStyleCnt="2"/>
+    <dgm:pt modelId="{AB9A77A6-DEAD-404C-99D0-F1D83E0722F1}" type="pres">
+      <dgm:prSet presAssocID="{C1F15BF4-62B8-4921-9349-2E929E9901B1}" presName="bgRect" presStyleLbl="bgShp" presStyleIdx="0" presStyleCnt="1"/>
       <dgm:spPr/>
     </dgm:pt>
-    <dgm:pt modelId="{54615C93-6E02-4379-BE89-E21A68957A54}" type="pres">
-      <dgm:prSet presAssocID="{F9B0DE92-F397-464A-A650-8B6CDFBFD1C2}" presName="iconRect" presStyleLbl="node1" presStyleIdx="0" presStyleCnt="2"/>
+    <dgm:pt modelId="{17809679-1262-4A74-95EA-564BC2C1B0A0}" type="pres">
+      <dgm:prSet presAssocID="{C1F15BF4-62B8-4921-9349-2E929E9901B1}" presName="iconRect" presStyleLbl="node1" presStyleIdx="0" presStyleCnt="1"/>
       <dgm:spPr>
         <a:blipFill>
           <a:blip xmlns:r="http://schemas.openxmlformats.org/officeDocument/2006/relationships" r:embed="rId1">
@@ -9891,59 +9860,6 @@
       </dgm:spPr>
       <dgm:extLst>
         <a:ext uri="{E40237B7-FDA0-4F09-8148-C483321AD2D9}">
-          <dgm14:cNvPr xmlns:dgm14="http://schemas.microsoft.com/office/drawing/2010/diagram" id="0" name="" descr="Bitcoin"/>
-        </a:ext>
-      </dgm:extLst>
-    </dgm:pt>
-    <dgm:pt modelId="{D12795FE-8041-49CB-A0DA-2E01D27CF74D}" type="pres">
-      <dgm:prSet presAssocID="{F9B0DE92-F397-464A-A650-8B6CDFBFD1C2}" presName="spaceRect" presStyleCnt="0"/>
-      <dgm:spPr/>
-    </dgm:pt>
-    <dgm:pt modelId="{976FDE20-4738-4BA3-BB6B-316C2D2C373B}" type="pres">
-      <dgm:prSet presAssocID="{F9B0DE92-F397-464A-A650-8B6CDFBFD1C2}" presName="parTx" presStyleLbl="revTx" presStyleIdx="0" presStyleCnt="2">
-        <dgm:presLayoutVars>
-          <dgm:chMax val="0"/>
-          <dgm:chPref val="0"/>
-        </dgm:presLayoutVars>
-      </dgm:prSet>
-      <dgm:spPr/>
-    </dgm:pt>
-    <dgm:pt modelId="{3C997A09-2418-4A11-9A22-43074E5CFE97}" type="pres">
-      <dgm:prSet presAssocID="{B0202124-D150-4555-9F5E-F8962174E364}" presName="sibTrans" presStyleCnt="0"/>
-      <dgm:spPr/>
-    </dgm:pt>
-    <dgm:pt modelId="{89EF90E8-9E6D-41B7-BA45-B38CF90D6C36}" type="pres">
-      <dgm:prSet presAssocID="{C1F15BF4-62B8-4921-9349-2E929E9901B1}" presName="compNode" presStyleCnt="0"/>
-      <dgm:spPr/>
-    </dgm:pt>
-    <dgm:pt modelId="{AB9A77A6-DEAD-404C-99D0-F1D83E0722F1}" type="pres">
-      <dgm:prSet presAssocID="{C1F15BF4-62B8-4921-9349-2E929E9901B1}" presName="bgRect" presStyleLbl="bgShp" presStyleIdx="1" presStyleCnt="2"/>
-      <dgm:spPr/>
-    </dgm:pt>
-    <dgm:pt modelId="{17809679-1262-4A74-95EA-564BC2C1B0A0}" type="pres">
-      <dgm:prSet presAssocID="{C1F15BF4-62B8-4921-9349-2E929E9901B1}" presName="iconRect" presStyleLbl="node1" presStyleIdx="1" presStyleCnt="2"/>
-      <dgm:spPr>
-        <a:blipFill>
-          <a:blip xmlns:r="http://schemas.openxmlformats.org/officeDocument/2006/relationships" r:embed="rId3">
-            <a:extLst>
-              <a:ext uri="{28A0092B-C50C-407E-A947-70E740481C1C}">
-                <a14:useLocalDpi xmlns:a14="http://schemas.microsoft.com/office/drawing/2010/main" val="0"/>
-              </a:ext>
-              <a:ext uri="{96DAC541-7B7A-43D3-8B79-37D633B846F1}">
-                <asvg:svgBlip xmlns:asvg="http://schemas.microsoft.com/office/drawing/2016/SVG/main" r:embed="rId4"/>
-              </a:ext>
-            </a:extLst>
-          </a:blip>
-          <a:stretch>
-            <a:fillRect/>
-          </a:stretch>
-        </a:blipFill>
-        <a:ln>
-          <a:noFill/>
-        </a:ln>
-      </dgm:spPr>
-      <dgm:extLst>
-        <a:ext uri="{E40237B7-FDA0-4F09-8148-C483321AD2D9}">
           <dgm14:cNvPr xmlns:dgm14="http://schemas.microsoft.com/office/drawing/2010/diagram" id="0" name="" descr="Duck"/>
         </a:ext>
       </dgm:extLst>
@@ -9953,7 +9869,7 @@
       <dgm:spPr/>
     </dgm:pt>
     <dgm:pt modelId="{5387DC13-55AE-47DA-9E64-5D50540C2CC6}" type="pres">
-      <dgm:prSet presAssocID="{C1F15BF4-62B8-4921-9349-2E929E9901B1}" presName="parTx" presStyleLbl="revTx" presStyleIdx="1" presStyleCnt="2">
+      <dgm:prSet presAssocID="{C1F15BF4-62B8-4921-9349-2E929E9901B1}" presName="parTx" presStyleLbl="revTx" presStyleIdx="0" presStyleCnt="1">
         <dgm:presLayoutVars>
           <dgm:chMax val="0"/>
           <dgm:chPref val="0"/>
@@ -9964,17 +9880,9 @@
   </dgm:ptLst>
   <dgm:cxnLst>
     <dgm:cxn modelId="{C0FC622A-D33E-44C6-B4D7-AF50D842FA82}" type="presOf" srcId="{C1F15BF4-62B8-4921-9349-2E929E9901B1}" destId="{5387DC13-55AE-47DA-9E64-5D50540C2CC6}" srcOrd="0" destOrd="0" presId="urn:microsoft.com/office/officeart/2018/2/layout/IconVerticalSolidList"/>
-    <dgm:cxn modelId="{2D3D935C-C4AF-4A15-8460-B4FF37CFB8CB}" type="presOf" srcId="{F9B0DE92-F397-464A-A650-8B6CDFBFD1C2}" destId="{976FDE20-4738-4BA3-BB6B-316C2D2C373B}" srcOrd="0" destOrd="0" presId="urn:microsoft.com/office/officeart/2018/2/layout/IconVerticalSolidList"/>
-    <dgm:cxn modelId="{4CBEEB44-F5C6-48AA-96D2-E31A8FF52A4F}" srcId="{E5A2E3ED-ECCC-4DED-94DA-85A0BCFE438B}" destId="{F9B0DE92-F397-464A-A650-8B6CDFBFD1C2}" srcOrd="0" destOrd="0" parTransId="{5D723777-9CCD-4979-83C8-EF1037E31AA0}" sibTransId="{B0202124-D150-4555-9F5E-F8962174E364}"/>
-    <dgm:cxn modelId="{7AF03265-4A57-4DB9-8EC3-2120D1F09990}" srcId="{E5A2E3ED-ECCC-4DED-94DA-85A0BCFE438B}" destId="{C1F15BF4-62B8-4921-9349-2E929E9901B1}" srcOrd="1" destOrd="0" parTransId="{349D4F65-C0F1-4273-A02D-717ACFB9AFAA}" sibTransId="{48FCC4CD-1CE2-4343-ABEE-EB8DF3B7F918}"/>
+    <dgm:cxn modelId="{7AF03265-4A57-4DB9-8EC3-2120D1F09990}" srcId="{E5A2E3ED-ECCC-4DED-94DA-85A0BCFE438B}" destId="{C1F15BF4-62B8-4921-9349-2E929E9901B1}" srcOrd="0" destOrd="0" parTransId="{349D4F65-C0F1-4273-A02D-717ACFB9AFAA}" sibTransId="{48FCC4CD-1CE2-4343-ABEE-EB8DF3B7F918}"/>
     <dgm:cxn modelId="{9B87C36F-1207-4289-ABC6-773C4890A9A0}" type="presOf" srcId="{E5A2E3ED-ECCC-4DED-94DA-85A0BCFE438B}" destId="{9CF9E4B4-5DF4-4D47-8679-3F14B6E57AEB}" srcOrd="0" destOrd="0" presId="urn:microsoft.com/office/officeart/2018/2/layout/IconVerticalSolidList"/>
-    <dgm:cxn modelId="{7528A2C8-7219-4B85-9ADF-1473BAF88516}" type="presParOf" srcId="{9CF9E4B4-5DF4-4D47-8679-3F14B6E57AEB}" destId="{2B9A118E-164A-4354-B26D-0CF23507F134}" srcOrd="0" destOrd="0" presId="urn:microsoft.com/office/officeart/2018/2/layout/IconVerticalSolidList"/>
-    <dgm:cxn modelId="{F404DC84-4574-4C6B-967A-DEE9DACA539B}" type="presParOf" srcId="{2B9A118E-164A-4354-B26D-0CF23507F134}" destId="{D83077BC-035E-4256-9696-2F3C94E0F2D3}" srcOrd="0" destOrd="0" presId="urn:microsoft.com/office/officeart/2018/2/layout/IconVerticalSolidList"/>
-    <dgm:cxn modelId="{51357490-AEAA-49D6-814F-FBFA98E7CB68}" type="presParOf" srcId="{2B9A118E-164A-4354-B26D-0CF23507F134}" destId="{54615C93-6E02-4379-BE89-E21A68957A54}" srcOrd="1" destOrd="0" presId="urn:microsoft.com/office/officeart/2018/2/layout/IconVerticalSolidList"/>
-    <dgm:cxn modelId="{28E824E1-2390-495B-9F51-49D5209D1392}" type="presParOf" srcId="{2B9A118E-164A-4354-B26D-0CF23507F134}" destId="{D12795FE-8041-49CB-A0DA-2E01D27CF74D}" srcOrd="2" destOrd="0" presId="urn:microsoft.com/office/officeart/2018/2/layout/IconVerticalSolidList"/>
-    <dgm:cxn modelId="{8B63484F-B5EC-4D16-B5A1-900B5EFAB795}" type="presParOf" srcId="{2B9A118E-164A-4354-B26D-0CF23507F134}" destId="{976FDE20-4738-4BA3-BB6B-316C2D2C373B}" srcOrd="3" destOrd="0" presId="urn:microsoft.com/office/officeart/2018/2/layout/IconVerticalSolidList"/>
-    <dgm:cxn modelId="{AE0A1D8D-FAFA-47A1-92E4-658706D83E26}" type="presParOf" srcId="{9CF9E4B4-5DF4-4D47-8679-3F14B6E57AEB}" destId="{3C997A09-2418-4A11-9A22-43074E5CFE97}" srcOrd="1" destOrd="0" presId="urn:microsoft.com/office/officeart/2018/2/layout/IconVerticalSolidList"/>
-    <dgm:cxn modelId="{C9C0DA11-25F0-4AAB-A86F-0CA4964293AE}" type="presParOf" srcId="{9CF9E4B4-5DF4-4D47-8679-3F14B6E57AEB}" destId="{89EF90E8-9E6D-41B7-BA45-B38CF90D6C36}" srcOrd="2" destOrd="0" presId="urn:microsoft.com/office/officeart/2018/2/layout/IconVerticalSolidList"/>
+    <dgm:cxn modelId="{C9C0DA11-25F0-4AAB-A86F-0CA4964293AE}" type="presParOf" srcId="{9CF9E4B4-5DF4-4D47-8679-3F14B6E57AEB}" destId="{89EF90E8-9E6D-41B7-BA45-B38CF90D6C36}" srcOrd="0" destOrd="0" presId="urn:microsoft.com/office/officeart/2018/2/layout/IconVerticalSolidList"/>
     <dgm:cxn modelId="{1D3433CE-9C0A-4F5B-B19A-0EFC11016C4B}" type="presParOf" srcId="{89EF90E8-9E6D-41B7-BA45-B38CF90D6C36}" destId="{AB9A77A6-DEAD-404C-99D0-F1D83E0722F1}" srcOrd="0" destOrd="0" presId="urn:microsoft.com/office/officeart/2018/2/layout/IconVerticalSolidList"/>
     <dgm:cxn modelId="{2738FA51-29ED-4337-B59A-D4F1B9124159}" type="presParOf" srcId="{89EF90E8-9E6D-41B7-BA45-B38CF90D6C36}" destId="{17809679-1262-4A74-95EA-564BC2C1B0A0}" srcOrd="1" destOrd="0" presId="urn:microsoft.com/office/officeart/2018/2/layout/IconVerticalSolidList"/>
     <dgm:cxn modelId="{F1317024-9063-4EB7-938C-12871ADA890A}" type="presParOf" srcId="{89EF90E8-9E6D-41B7-BA45-B38CF90D6C36}" destId="{56639E7E-58F3-4CC7-A8C9-75545BAED775}" srcOrd="2" destOrd="0" presId="urn:microsoft.com/office/officeart/2018/2/layout/IconVerticalSolidList"/>
@@ -13800,14 +13708,14 @@
       <dsp:cNvGrpSpPr/>
     </dsp:nvGrpSpPr>
     <dsp:grpSpPr/>
-    <dsp:sp modelId="{D83077BC-035E-4256-9696-2F3C94E0F2D3}">
+    <dsp:sp modelId="{AB9A77A6-DEAD-404C-99D0-F1D83E0722F1}">
       <dsp:nvSpPr>
         <dsp:cNvPr id="0" name=""/>
         <dsp:cNvSpPr/>
       </dsp:nvSpPr>
       <dsp:spPr>
         <a:xfrm>
-          <a:off x="0" y="956381"/>
+          <a:off x="0" y="2059899"/>
           <a:ext cx="6513603" cy="1765627"/>
         </a:xfrm>
         <a:prstGeom prst="roundRect">
@@ -13841,14 +13749,14 @@
         <a:fontRef idx="minor"/>
       </dsp:style>
     </dsp:sp>
-    <dsp:sp modelId="{54615C93-6E02-4379-BE89-E21A68957A54}">
+    <dsp:sp modelId="{17809679-1262-4A74-95EA-564BC2C1B0A0}">
       <dsp:nvSpPr>
         <dsp:cNvPr id="0" name=""/>
         <dsp:cNvSpPr/>
       </dsp:nvSpPr>
       <dsp:spPr>
         <a:xfrm>
-          <a:off x="534102" y="1353647"/>
+          <a:off x="534102" y="2457165"/>
           <a:ext cx="971095" cy="971095"/>
         </a:xfrm>
         <a:prstGeom prst="rect">
@@ -13891,157 +13799,6 @@
         </a:fontRef>
       </dsp:style>
     </dsp:sp>
-    <dsp:sp modelId="{976FDE20-4738-4BA3-BB6B-316C2D2C373B}">
-      <dsp:nvSpPr>
-        <dsp:cNvPr id="0" name=""/>
-        <dsp:cNvSpPr/>
-      </dsp:nvSpPr>
-      <dsp:spPr>
-        <a:xfrm>
-          <a:off x="2039300" y="956381"/>
-          <a:ext cx="4474303" cy="1765627"/>
-        </a:xfrm>
-        <a:prstGeom prst="rect">
-          <a:avLst/>
-        </a:prstGeom>
-        <a:noFill/>
-        <a:ln>
-          <a:noFill/>
-        </a:ln>
-        <a:effectLst/>
-      </dsp:spPr>
-      <dsp:style>
-        <a:lnRef idx="0">
-          <a:scrgbClr r="0" g="0" b="0"/>
-        </a:lnRef>
-        <a:fillRef idx="0">
-          <a:scrgbClr r="0" g="0" b="0"/>
-        </a:fillRef>
-        <a:effectRef idx="0">
-          <a:scrgbClr r="0" g="0" b="0"/>
-        </a:effectRef>
-        <a:fontRef idx="minor"/>
-      </dsp:style>
-      <dsp:txBody>
-        <a:bodyPr spcFirstLastPara="0" vert="horz" wrap="square" lIns="186862" tIns="186862" rIns="186862" bIns="186862" numCol="1" spcCol="1270" anchor="ctr" anchorCtr="0">
-          <a:noAutofit/>
-        </a:bodyPr>
-        <a:lstStyle/>
-        <a:p>
-          <a:pPr marL="0" lvl="0" indent="0" algn="l" defTabSz="1422400">
-            <a:lnSpc>
-              <a:spcPct val="90000"/>
-            </a:lnSpc>
-            <a:spcBef>
-              <a:spcPct val="0"/>
-            </a:spcBef>
-            <a:spcAft>
-              <a:spcPct val="35000"/>
-            </a:spcAft>
-            <a:buNone/>
-          </a:pPr>
-          <a:r>
-            <a:rPr lang="en-US" sz="3200" kern="1200" dirty="0"/>
-            <a:t>I They put money in the bank = = buried in mud?</a:t>
-          </a:r>
-        </a:p>
-      </dsp:txBody>
-      <dsp:txXfrm>
-        <a:off x="2039300" y="956381"/>
-        <a:ext cx="4474303" cy="1765627"/>
-      </dsp:txXfrm>
-    </dsp:sp>
-    <dsp:sp modelId="{AB9A77A6-DEAD-404C-99D0-F1D83E0722F1}">
-      <dsp:nvSpPr>
-        <dsp:cNvPr id="0" name=""/>
-        <dsp:cNvSpPr/>
-      </dsp:nvSpPr>
-      <dsp:spPr>
-        <a:xfrm>
-          <a:off x="0" y="3163416"/>
-          <a:ext cx="6513603" cy="1765627"/>
-        </a:xfrm>
-        <a:prstGeom prst="roundRect">
-          <a:avLst>
-            <a:gd name="adj" fmla="val 10000"/>
-          </a:avLst>
-        </a:prstGeom>
-        <a:solidFill>
-          <a:schemeClr val="accent3">
-            <a:hueOff val="0"/>
-            <a:satOff val="0"/>
-            <a:lumOff val="0"/>
-            <a:alphaOff val="0"/>
-          </a:schemeClr>
-        </a:solidFill>
-        <a:ln>
-          <a:noFill/>
-        </a:ln>
-        <a:effectLst/>
-      </dsp:spPr>
-      <dsp:style>
-        <a:lnRef idx="0">
-          <a:scrgbClr r="0" g="0" b="0"/>
-        </a:lnRef>
-        <a:fillRef idx="1">
-          <a:scrgbClr r="0" g="0" b="0"/>
-        </a:fillRef>
-        <a:effectRef idx="0">
-          <a:scrgbClr r="0" g="0" b="0"/>
-        </a:effectRef>
-        <a:fontRef idx="minor"/>
-      </dsp:style>
-    </dsp:sp>
-    <dsp:sp modelId="{17809679-1262-4A74-95EA-564BC2C1B0A0}">
-      <dsp:nvSpPr>
-        <dsp:cNvPr id="0" name=""/>
-        <dsp:cNvSpPr/>
-      </dsp:nvSpPr>
-      <dsp:spPr>
-        <a:xfrm>
-          <a:off x="534102" y="3560682"/>
-          <a:ext cx="971095" cy="971095"/>
-        </a:xfrm>
-        <a:prstGeom prst="rect">
-          <a:avLst/>
-        </a:prstGeom>
-        <a:blipFill>
-          <a:blip xmlns:r="http://schemas.openxmlformats.org/officeDocument/2006/relationships" r:embed="rId3">
-            <a:extLst>
-              <a:ext uri="{28A0092B-C50C-407E-A947-70E740481C1C}">
-                <a14:useLocalDpi xmlns:a14="http://schemas.microsoft.com/office/drawing/2010/main" val="0"/>
-              </a:ext>
-              <a:ext uri="{96DAC541-7B7A-43D3-8B79-37D633B846F1}">
-                <asvg:svgBlip xmlns:asvg="http://schemas.microsoft.com/office/drawing/2016/SVG/main" r:embed="rId4"/>
-              </a:ext>
-            </a:extLst>
-          </a:blip>
-          <a:stretch>
-            <a:fillRect/>
-          </a:stretch>
-        </a:blipFill>
-        <a:ln w="12700" cap="flat" cmpd="sng" algn="ctr">
-          <a:noFill/>
-          <a:prstDash val="solid"/>
-          <a:miter lim="800000"/>
-        </a:ln>
-        <a:effectLst/>
-      </dsp:spPr>
-      <dsp:style>
-        <a:lnRef idx="2">
-          <a:scrgbClr r="0" g="0" b="0"/>
-        </a:lnRef>
-        <a:fillRef idx="1">
-          <a:scrgbClr r="0" g="0" b="0"/>
-        </a:fillRef>
-        <a:effectRef idx="0">
-          <a:scrgbClr r="0" g="0" b="0"/>
-        </a:effectRef>
-        <a:fontRef idx="minor">
-          <a:schemeClr val="lt1"/>
-        </a:fontRef>
-      </dsp:style>
-    </dsp:sp>
     <dsp:sp modelId="{5387DC13-55AE-47DA-9E64-5D50540C2CC6}">
       <dsp:nvSpPr>
         <dsp:cNvPr id="0" name=""/>
@@ -14049,7 +13806,7 @@
       </dsp:nvSpPr>
       <dsp:spPr>
         <a:xfrm>
-          <a:off x="2039300" y="3163416"/>
+          <a:off x="2039300" y="2059899"/>
           <a:ext cx="4474303" cy="1765627"/>
         </a:xfrm>
         <a:prstGeom prst="rect">
@@ -14081,7 +13838,7 @@
         <a:p>
           <a:pPr marL="0" lvl="0" indent="0" algn="l" defTabSz="1778000">
             <a:lnSpc>
-              <a:spcPct val="90000"/>
+              <a:spcPct val="100000"/>
             </a:lnSpc>
             <a:spcBef>
               <a:spcPct val="0"/>
@@ -14098,7 +13855,7 @@
         </a:p>
       </dsp:txBody>
       <dsp:txXfrm>
-        <a:off x="2039300" y="3163416"/>
+        <a:off x="2039300" y="2059899"/>
         <a:ext cx="4474303" cy="1765627"/>
       </dsp:txXfrm>
     </dsp:sp>
@@ -32838,7 +32595,7 @@
             <p:ph idx="1"/>
             <p:extLst>
               <p:ext uri="{D42A27DB-BD31-4B8C-83A1-F6EECF244321}">
-                <p14:modId xmlns:p14="http://schemas.microsoft.com/office/powerpoint/2010/main" val="3552498176"/>
+                <p14:modId xmlns:p14="http://schemas.microsoft.com/office/powerpoint/2010/main" val="934824971"/>
               </p:ext>
             </p:extLst>
           </p:nvPr>
